--- a/Tech_Quads_Presentation.pptx
+++ b/Tech_Quads_Presentation.pptx
@@ -3142,7 +3142,7 @@
           <a:p>
             <a:fld id="{15B4C236-422B-407E-BC9E-4BA62E75CD8D}" type="datetimeFigureOut">
               <a:rPr lang="en-ZA" smtClean="0"/>
-              <a:t>2025/05/28</a:t>
+              <a:t>2025/05/29</a:t>
             </a:fld>
             <a:endParaRPr lang="en-ZA"/>
           </a:p>
@@ -3312,7 +3312,7 @@
           <a:p>
             <a:fld id="{15B4C236-422B-407E-BC9E-4BA62E75CD8D}" type="datetimeFigureOut">
               <a:rPr lang="en-ZA" smtClean="0"/>
-              <a:t>2025/05/28</a:t>
+              <a:t>2025/05/29</a:t>
             </a:fld>
             <a:endParaRPr lang="en-ZA"/>
           </a:p>
@@ -3492,7 +3492,7 @@
           <a:p>
             <a:fld id="{15B4C236-422B-407E-BC9E-4BA62E75CD8D}" type="datetimeFigureOut">
               <a:rPr lang="en-ZA" smtClean="0"/>
-              <a:t>2025/05/28</a:t>
+              <a:t>2025/05/29</a:t>
             </a:fld>
             <a:endParaRPr lang="en-ZA"/>
           </a:p>
@@ -3662,7 +3662,7 @@
           <a:p>
             <a:fld id="{15B4C236-422B-407E-BC9E-4BA62E75CD8D}" type="datetimeFigureOut">
               <a:rPr lang="en-ZA" smtClean="0"/>
-              <a:t>2025/05/28</a:t>
+              <a:t>2025/05/29</a:t>
             </a:fld>
             <a:endParaRPr lang="en-ZA"/>
           </a:p>
@@ -3908,7 +3908,7 @@
           <a:p>
             <a:fld id="{15B4C236-422B-407E-BC9E-4BA62E75CD8D}" type="datetimeFigureOut">
               <a:rPr lang="en-ZA" smtClean="0"/>
-              <a:t>2025/05/28</a:t>
+              <a:t>2025/05/29</a:t>
             </a:fld>
             <a:endParaRPr lang="en-ZA"/>
           </a:p>
@@ -4140,7 +4140,7 @@
           <a:p>
             <a:fld id="{15B4C236-422B-407E-BC9E-4BA62E75CD8D}" type="datetimeFigureOut">
               <a:rPr lang="en-ZA" smtClean="0"/>
-              <a:t>2025/05/28</a:t>
+              <a:t>2025/05/29</a:t>
             </a:fld>
             <a:endParaRPr lang="en-ZA"/>
           </a:p>
@@ -4507,7 +4507,7 @@
           <a:p>
             <a:fld id="{15B4C236-422B-407E-BC9E-4BA62E75CD8D}" type="datetimeFigureOut">
               <a:rPr lang="en-ZA" smtClean="0"/>
-              <a:t>2025/05/28</a:t>
+              <a:t>2025/05/29</a:t>
             </a:fld>
             <a:endParaRPr lang="en-ZA"/>
           </a:p>
@@ -4625,7 +4625,7 @@
           <a:p>
             <a:fld id="{15B4C236-422B-407E-BC9E-4BA62E75CD8D}" type="datetimeFigureOut">
               <a:rPr lang="en-ZA" smtClean="0"/>
-              <a:t>2025/05/28</a:t>
+              <a:t>2025/05/29</a:t>
             </a:fld>
             <a:endParaRPr lang="en-ZA"/>
           </a:p>
@@ -4720,7 +4720,7 @@
           <a:p>
             <a:fld id="{15B4C236-422B-407E-BC9E-4BA62E75CD8D}" type="datetimeFigureOut">
               <a:rPr lang="en-ZA" smtClean="0"/>
-              <a:t>2025/05/28</a:t>
+              <a:t>2025/05/29</a:t>
             </a:fld>
             <a:endParaRPr lang="en-ZA"/>
           </a:p>
@@ -4997,7 +4997,7 @@
           <a:p>
             <a:fld id="{15B4C236-422B-407E-BC9E-4BA62E75CD8D}" type="datetimeFigureOut">
               <a:rPr lang="en-ZA" smtClean="0"/>
-              <a:t>2025/05/28</a:t>
+              <a:t>2025/05/29</a:t>
             </a:fld>
             <a:endParaRPr lang="en-ZA"/>
           </a:p>
@@ -5254,7 +5254,7 @@
           <a:p>
             <a:fld id="{15B4C236-422B-407E-BC9E-4BA62E75CD8D}" type="datetimeFigureOut">
               <a:rPr lang="en-ZA" smtClean="0"/>
-              <a:t>2025/05/28</a:t>
+              <a:t>2025/05/29</a:t>
             </a:fld>
             <a:endParaRPr lang="en-ZA"/>
           </a:p>
@@ -5467,7 +5467,7 @@
           <a:p>
             <a:fld id="{15B4C236-422B-407E-BC9E-4BA62E75CD8D}" type="datetimeFigureOut">
               <a:rPr lang="en-ZA" smtClean="0"/>
-              <a:t>2025/05/28</a:t>
+              <a:t>2025/05/29</a:t>
             </a:fld>
             <a:endParaRPr lang="en-ZA"/>
           </a:p>
@@ -6488,6 +6488,21 @@
           </a:p>
           <a:p>
             <a:r>
+              <a:rPr lang="en-US" sz="2400" dirty="0" err="1">
+                <a:solidFill>
+                  <a:schemeClr val="bg2"/>
+                </a:solidFill>
+              </a:rPr>
+              <a:t>Gofile</a:t>
+            </a:r>
+            <a:endParaRPr lang="en-US" sz="2400" dirty="0">
+              <a:solidFill>
+                <a:schemeClr val="bg2"/>
+              </a:solidFill>
+            </a:endParaRPr>
+          </a:p>
+          <a:p>
+            <a:r>
               <a:rPr lang="en-US" sz="2400" dirty="0">
                 <a:solidFill>
                   <a:schemeClr val="bg2"/>
@@ -6615,7 +6630,7 @@
         <p:spPr/>
         <p:txBody>
           <a:bodyPr>
-            <a:normAutofit/>
+            <a:normAutofit lnSpcReduction="10000"/>
           </a:bodyPr>
           <a:lstStyle/>
           <a:p>
@@ -6636,7 +6651,31 @@
                   <a:schemeClr val="bg2"/>
                 </a:solidFill>
               </a:rPr>
-              <a:t>Python + Tkinter</a:t>
+              <a:t>Python + </a:t>
+            </a:r>
+            <a:r>
+              <a:rPr lang="en-US" sz="2000" dirty="0" err="1">
+                <a:solidFill>
+                  <a:schemeClr val="bg2"/>
+                </a:solidFill>
+              </a:rPr>
+              <a:t>Tkinter</a:t>
+            </a:r>
+            <a:endParaRPr lang="en-US" sz="2000" dirty="0">
+              <a:solidFill>
+                <a:schemeClr val="bg2"/>
+              </a:solidFill>
+            </a:endParaRPr>
+          </a:p>
+          <a:p>
+            <a:pPr lvl="1"/>
+            <a:r>
+              <a:rPr lang="en-US" sz="2000" dirty="0">
+                <a:solidFill>
+                  <a:schemeClr val="bg2"/>
+                </a:solidFill>
+              </a:rPr>
+              <a:t>What we built</a:t>
             </a:r>
           </a:p>
           <a:p>
@@ -6661,6 +6700,17 @@
             </a:r>
           </a:p>
           <a:p>
+            <a:pPr lvl="1"/>
+            <a:r>
+              <a:rPr lang="en-US" sz="2000" dirty="0">
+                <a:solidFill>
+                  <a:schemeClr val="bg2"/>
+                </a:solidFill>
+              </a:rPr>
+              <a:t>Effects implemented</a:t>
+            </a:r>
+          </a:p>
+          <a:p>
             <a:r>
               <a:rPr lang="en-US" sz="2400" dirty="0">
                 <a:solidFill>
@@ -6671,6 +6721,28 @@
             </a:r>
           </a:p>
           <a:p>
+            <a:pPr lvl="1"/>
+            <a:r>
+              <a:rPr lang="en-US" sz="2000" dirty="0">
+                <a:solidFill>
+                  <a:schemeClr val="bg2"/>
+                </a:solidFill>
+              </a:rPr>
+              <a:t>Processing</a:t>
+            </a:r>
+          </a:p>
+          <a:p>
+            <a:pPr lvl="1"/>
+            <a:r>
+              <a:rPr lang="en-US" sz="2000" dirty="0">
+                <a:solidFill>
+                  <a:schemeClr val="bg2"/>
+                </a:solidFill>
+              </a:rPr>
+              <a:t>Dependency</a:t>
+            </a:r>
+          </a:p>
+          <a:p>
             <a:r>
               <a:rPr lang="en-US" sz="2400" dirty="0">
                 <a:solidFill>
@@ -6690,7 +6762,20 @@
               </a:rPr>
               <a:t>Splash Screen, Buttons, Labels</a:t>
             </a:r>
-            <a:endParaRPr lang="en-ZA" sz="2000" dirty="0">
+          </a:p>
+          <a:p>
+            <a:r>
+              <a:rPr lang="en-ZA" sz="2000" dirty="0">
+                <a:solidFill>
+                  <a:schemeClr val="bg1"/>
+                </a:solidFill>
+              </a:rPr>
+              <a:t>Voice Assistant Integration</a:t>
+            </a:r>
+          </a:p>
+          <a:p>
+            <a:pPr lvl="1"/>
+            <a:endParaRPr lang="en-US" sz="2000" dirty="0">
               <a:solidFill>
                 <a:schemeClr val="bg2"/>
               </a:solidFill>

--- a/Tech_Quads_Presentation.pptx
+++ b/Tech_Quads_Presentation.pptx
@@ -3142,7 +3142,7 @@
           <a:p>
             <a:fld id="{15B4C236-422B-407E-BC9E-4BA62E75CD8D}" type="datetimeFigureOut">
               <a:rPr lang="en-ZA" smtClean="0"/>
-              <a:t>2025/05/29</a:t>
+              <a:t>2025/05/30</a:t>
             </a:fld>
             <a:endParaRPr lang="en-ZA"/>
           </a:p>
@@ -3312,7 +3312,7 @@
           <a:p>
             <a:fld id="{15B4C236-422B-407E-BC9E-4BA62E75CD8D}" type="datetimeFigureOut">
               <a:rPr lang="en-ZA" smtClean="0"/>
-              <a:t>2025/05/29</a:t>
+              <a:t>2025/05/30</a:t>
             </a:fld>
             <a:endParaRPr lang="en-ZA"/>
           </a:p>
@@ -3492,7 +3492,7 @@
           <a:p>
             <a:fld id="{15B4C236-422B-407E-BC9E-4BA62E75CD8D}" type="datetimeFigureOut">
               <a:rPr lang="en-ZA" smtClean="0"/>
-              <a:t>2025/05/29</a:t>
+              <a:t>2025/05/30</a:t>
             </a:fld>
             <a:endParaRPr lang="en-ZA"/>
           </a:p>
@@ -3662,7 +3662,7 @@
           <a:p>
             <a:fld id="{15B4C236-422B-407E-BC9E-4BA62E75CD8D}" type="datetimeFigureOut">
               <a:rPr lang="en-ZA" smtClean="0"/>
-              <a:t>2025/05/29</a:t>
+              <a:t>2025/05/30</a:t>
             </a:fld>
             <a:endParaRPr lang="en-ZA"/>
           </a:p>
@@ -3908,7 +3908,7 @@
           <a:p>
             <a:fld id="{15B4C236-422B-407E-BC9E-4BA62E75CD8D}" type="datetimeFigureOut">
               <a:rPr lang="en-ZA" smtClean="0"/>
-              <a:t>2025/05/29</a:t>
+              <a:t>2025/05/30</a:t>
             </a:fld>
             <a:endParaRPr lang="en-ZA"/>
           </a:p>
@@ -4140,7 +4140,7 @@
           <a:p>
             <a:fld id="{15B4C236-422B-407E-BC9E-4BA62E75CD8D}" type="datetimeFigureOut">
               <a:rPr lang="en-ZA" smtClean="0"/>
-              <a:t>2025/05/29</a:t>
+              <a:t>2025/05/30</a:t>
             </a:fld>
             <a:endParaRPr lang="en-ZA"/>
           </a:p>
@@ -4507,7 +4507,7 @@
           <a:p>
             <a:fld id="{15B4C236-422B-407E-BC9E-4BA62E75CD8D}" type="datetimeFigureOut">
               <a:rPr lang="en-ZA" smtClean="0"/>
-              <a:t>2025/05/29</a:t>
+              <a:t>2025/05/30</a:t>
             </a:fld>
             <a:endParaRPr lang="en-ZA"/>
           </a:p>
@@ -4625,7 +4625,7 @@
           <a:p>
             <a:fld id="{15B4C236-422B-407E-BC9E-4BA62E75CD8D}" type="datetimeFigureOut">
               <a:rPr lang="en-ZA" smtClean="0"/>
-              <a:t>2025/05/29</a:t>
+              <a:t>2025/05/30</a:t>
             </a:fld>
             <a:endParaRPr lang="en-ZA"/>
           </a:p>
@@ -4720,7 +4720,7 @@
           <a:p>
             <a:fld id="{15B4C236-422B-407E-BC9E-4BA62E75CD8D}" type="datetimeFigureOut">
               <a:rPr lang="en-ZA" smtClean="0"/>
-              <a:t>2025/05/29</a:t>
+              <a:t>2025/05/30</a:t>
             </a:fld>
             <a:endParaRPr lang="en-ZA"/>
           </a:p>
@@ -4997,7 +4997,7 @@
           <a:p>
             <a:fld id="{15B4C236-422B-407E-BC9E-4BA62E75CD8D}" type="datetimeFigureOut">
               <a:rPr lang="en-ZA" smtClean="0"/>
-              <a:t>2025/05/29</a:t>
+              <a:t>2025/05/30</a:t>
             </a:fld>
             <a:endParaRPr lang="en-ZA"/>
           </a:p>
@@ -5254,7 +5254,7 @@
           <a:p>
             <a:fld id="{15B4C236-422B-407E-BC9E-4BA62E75CD8D}" type="datetimeFigureOut">
               <a:rPr lang="en-ZA" smtClean="0"/>
-              <a:t>2025/05/29</a:t>
+              <a:t>2025/05/30</a:t>
             </a:fld>
             <a:endParaRPr lang="en-ZA"/>
           </a:p>
@@ -5467,7 +5467,7 @@
           <a:p>
             <a:fld id="{15B4C236-422B-407E-BC9E-4BA62E75CD8D}" type="datetimeFigureOut">
               <a:rPr lang="en-ZA" smtClean="0"/>
-              <a:t>2025/05/29</a:t>
+              <a:t>2025/05/30</a:t>
             </a:fld>
             <a:endParaRPr lang="en-ZA"/>
           </a:p>
@@ -6627,10 +6627,15 @@
             <p:ph idx="1"/>
           </p:nvPr>
         </p:nvSpPr>
-        <p:spPr/>
+        <p:spPr>
+          <a:xfrm>
+            <a:off x="838200" y="1690687"/>
+            <a:ext cx="10515600" cy="4606873"/>
+          </a:xfrm>
+        </p:spPr>
         <p:txBody>
           <a:bodyPr>
-            <a:normAutofit lnSpcReduction="10000"/>
+            <a:normAutofit/>
           </a:bodyPr>
           <a:lstStyle/>
           <a:p>
@@ -6668,6 +6673,80 @@
             </a:endParaRPr>
           </a:p>
           <a:p>
+            <a:r>
+              <a:rPr lang="en-US" sz="2400" dirty="0">
+                <a:solidFill>
+                  <a:schemeClr val="bg2"/>
+                </a:solidFill>
+              </a:rPr>
+              <a:t>Image effects</a:t>
+            </a:r>
+          </a:p>
+          <a:p>
+            <a:pPr lvl="1"/>
+            <a:r>
+              <a:rPr lang="en-US" sz="2000" dirty="0">
+                <a:solidFill>
+                  <a:schemeClr val="bg2"/>
+                </a:solidFill>
+              </a:rPr>
+              <a:t>OpenCV</a:t>
+            </a:r>
+          </a:p>
+          <a:p>
+            <a:pPr lvl="1"/>
+            <a:r>
+              <a:rPr lang="en-US" sz="2000" dirty="0">
+                <a:solidFill>
+                  <a:schemeClr val="bg2"/>
+                </a:solidFill>
+              </a:rPr>
+              <a:t>Effects implemented</a:t>
+            </a:r>
+          </a:p>
+          <a:p>
+            <a:r>
+              <a:rPr lang="en-US" sz="2400" dirty="0">
+                <a:solidFill>
+                  <a:schemeClr val="bg2"/>
+                </a:solidFill>
+              </a:rPr>
+              <a:t>Image processing instead of a trained ML model.</a:t>
+            </a:r>
+          </a:p>
+          <a:p>
+            <a:pPr lvl="1"/>
+            <a:r>
+              <a:rPr lang="en-US" sz="2000" dirty="0">
+                <a:solidFill>
+                  <a:schemeClr val="bg2"/>
+                </a:solidFill>
+              </a:rPr>
+              <a:t>Processing</a:t>
+            </a:r>
+          </a:p>
+          <a:p>
+            <a:pPr lvl="1"/>
+            <a:r>
+              <a:rPr lang="en-US" sz="2000" dirty="0">
+                <a:solidFill>
+                  <a:schemeClr val="bg2"/>
+                </a:solidFill>
+              </a:rPr>
+              <a:t>Dependency</a:t>
+            </a:r>
+          </a:p>
+          <a:p>
+            <a:r>
+              <a:rPr lang="en-US" sz="2400" dirty="0">
+                <a:solidFill>
+                  <a:schemeClr val="bg2"/>
+                </a:solidFill>
+              </a:rPr>
+              <a:t>GUI (Graphical User Interface)</a:t>
+            </a:r>
+          </a:p>
+          <a:p>
             <a:pPr lvl="1"/>
             <a:r>
               <a:rPr lang="en-US" sz="2000" dirty="0">
@@ -6680,97 +6759,23 @@
           </a:p>
           <a:p>
             <a:r>
-              <a:rPr lang="en-US" sz="2400" dirty="0">
-                <a:solidFill>
-                  <a:schemeClr val="bg2"/>
-                </a:solidFill>
-              </a:rPr>
-              <a:t>Image effects</a:t>
-            </a:r>
-          </a:p>
-          <a:p>
-            <a:pPr lvl="1"/>
-            <a:r>
-              <a:rPr lang="en-US" sz="2000" dirty="0">
-                <a:solidFill>
-                  <a:schemeClr val="bg2"/>
-                </a:solidFill>
-              </a:rPr>
-              <a:t>OpenCV</a:t>
-            </a:r>
-          </a:p>
-          <a:p>
-            <a:pPr lvl="1"/>
-            <a:r>
-              <a:rPr lang="en-US" sz="2000" dirty="0">
-                <a:solidFill>
-                  <a:schemeClr val="bg2"/>
-                </a:solidFill>
-              </a:rPr>
-              <a:t>Effects implemented</a:t>
-            </a:r>
-          </a:p>
-          <a:p>
-            <a:r>
-              <a:rPr lang="en-US" sz="2400" dirty="0">
-                <a:solidFill>
-                  <a:schemeClr val="bg2"/>
-                </a:solidFill>
-              </a:rPr>
-              <a:t>Image processing instead of a trained ML model.</a:t>
-            </a:r>
-          </a:p>
-          <a:p>
-            <a:pPr lvl="1"/>
-            <a:r>
-              <a:rPr lang="en-US" sz="2000" dirty="0">
-                <a:solidFill>
-                  <a:schemeClr val="bg2"/>
-                </a:solidFill>
-              </a:rPr>
-              <a:t>Processing</a:t>
-            </a:r>
-          </a:p>
-          <a:p>
-            <a:pPr lvl="1"/>
-            <a:r>
-              <a:rPr lang="en-US" sz="2000" dirty="0">
-                <a:solidFill>
-                  <a:schemeClr val="bg2"/>
-                </a:solidFill>
-              </a:rPr>
-              <a:t>Dependency</a:t>
-            </a:r>
-          </a:p>
-          <a:p>
-            <a:r>
-              <a:rPr lang="en-US" sz="2400" dirty="0">
-                <a:solidFill>
-                  <a:schemeClr val="bg2"/>
-                </a:solidFill>
-              </a:rPr>
-              <a:t>GUI (Graphical User Interface)</a:t>
-            </a:r>
-          </a:p>
-          <a:p>
-            <a:pPr lvl="1"/>
-            <a:r>
-              <a:rPr lang="en-US" sz="2000" dirty="0">
-                <a:solidFill>
-                  <a:schemeClr val="bg2"/>
-                </a:solidFill>
-              </a:rPr>
-              <a:t>Splash Screen, Buttons, Labels</a:t>
-            </a:r>
-          </a:p>
-          <a:p>
-            <a:r>
               <a:rPr lang="en-ZA" sz="2000" dirty="0">
                 <a:solidFill>
                   <a:schemeClr val="bg1"/>
                 </a:solidFill>
               </a:rPr>
               <a:t>Voice Assistant Integration</a:t>
+            </a:r>
+          </a:p>
+          <a:p>
+            <a:pPr lvl="1"/>
+            <a:r>
+              <a:rPr lang="en-ZA" sz="1600" dirty="0">
+                <a:solidFill>
+                  <a:schemeClr val="bg1"/>
+                </a:solidFill>
+              </a:rPr>
+              <a:t>AWS  course</a:t>
             </a:r>
           </a:p>
           <a:p>
